--- a/arFramework3/Examples/ToyModels/SplineExample_InputModulation/Figure.pptx
+++ b/arFramework3/Examples/ToyModels/SplineExample_InputModulation/Figure.pptx
@@ -104,6 +104,11 @@
       </a:defRPr>
     </a:lvl9pPr>
   </p:defaultTextStyle>
+  <p:extLst>
+    <p:ext uri="{EFAFB233-063F-42B5-8137-9DF3F51BA10A}">
+      <p15:sldGuideLst xmlns:p15="http://schemas.microsoft.com/office/powerpoint/2012/main"/>
+    </p:ext>
+  </p:extLst>
 </p:presentation>
 </file>
 
@@ -238,7 +243,7 @@
           <a:p>
             <a:fld id="{51F78857-3C6F-44B1-A6E8-EF8888CAA869}" type="datetimeFigureOut">
               <a:rPr lang="de-DE" smtClean="0"/>
-              <a:t>28.04.2020</a:t>
+              <a:t>11.05.2020</a:t>
             </a:fld>
             <a:endParaRPr lang="de-DE"/>
           </a:p>
@@ -408,7 +413,7 @@
           <a:p>
             <a:fld id="{51F78857-3C6F-44B1-A6E8-EF8888CAA869}" type="datetimeFigureOut">
               <a:rPr lang="de-DE" smtClean="0"/>
-              <a:t>28.04.2020</a:t>
+              <a:t>11.05.2020</a:t>
             </a:fld>
             <a:endParaRPr lang="de-DE"/>
           </a:p>
@@ -588,7 +593,7 @@
           <a:p>
             <a:fld id="{51F78857-3C6F-44B1-A6E8-EF8888CAA869}" type="datetimeFigureOut">
               <a:rPr lang="de-DE" smtClean="0"/>
-              <a:t>28.04.2020</a:t>
+              <a:t>11.05.2020</a:t>
             </a:fld>
             <a:endParaRPr lang="de-DE"/>
           </a:p>
@@ -758,7 +763,7 @@
           <a:p>
             <a:fld id="{51F78857-3C6F-44B1-A6E8-EF8888CAA869}" type="datetimeFigureOut">
               <a:rPr lang="de-DE" smtClean="0"/>
-              <a:t>28.04.2020</a:t>
+              <a:t>11.05.2020</a:t>
             </a:fld>
             <a:endParaRPr lang="de-DE"/>
           </a:p>
@@ -1004,7 +1009,7 @@
           <a:p>
             <a:fld id="{51F78857-3C6F-44B1-A6E8-EF8888CAA869}" type="datetimeFigureOut">
               <a:rPr lang="de-DE" smtClean="0"/>
-              <a:t>28.04.2020</a:t>
+              <a:t>11.05.2020</a:t>
             </a:fld>
             <a:endParaRPr lang="de-DE"/>
           </a:p>
@@ -1236,7 +1241,7 @@
           <a:p>
             <a:fld id="{51F78857-3C6F-44B1-A6E8-EF8888CAA869}" type="datetimeFigureOut">
               <a:rPr lang="de-DE" smtClean="0"/>
-              <a:t>28.04.2020</a:t>
+              <a:t>11.05.2020</a:t>
             </a:fld>
             <a:endParaRPr lang="de-DE"/>
           </a:p>
@@ -1603,7 +1608,7 @@
           <a:p>
             <a:fld id="{51F78857-3C6F-44B1-A6E8-EF8888CAA869}" type="datetimeFigureOut">
               <a:rPr lang="de-DE" smtClean="0"/>
-              <a:t>28.04.2020</a:t>
+              <a:t>11.05.2020</a:t>
             </a:fld>
             <a:endParaRPr lang="de-DE"/>
           </a:p>
@@ -1721,7 +1726,7 @@
           <a:p>
             <a:fld id="{51F78857-3C6F-44B1-A6E8-EF8888CAA869}" type="datetimeFigureOut">
               <a:rPr lang="de-DE" smtClean="0"/>
-              <a:t>28.04.2020</a:t>
+              <a:t>11.05.2020</a:t>
             </a:fld>
             <a:endParaRPr lang="de-DE"/>
           </a:p>
@@ -1816,7 +1821,7 @@
           <a:p>
             <a:fld id="{51F78857-3C6F-44B1-A6E8-EF8888CAA869}" type="datetimeFigureOut">
               <a:rPr lang="de-DE" smtClean="0"/>
-              <a:t>28.04.2020</a:t>
+              <a:t>11.05.2020</a:t>
             </a:fld>
             <a:endParaRPr lang="de-DE"/>
           </a:p>
@@ -2093,7 +2098,7 @@
           <a:p>
             <a:fld id="{51F78857-3C6F-44B1-A6E8-EF8888CAA869}" type="datetimeFigureOut">
               <a:rPr lang="de-DE" smtClean="0"/>
-              <a:t>28.04.2020</a:t>
+              <a:t>11.05.2020</a:t>
             </a:fld>
             <a:endParaRPr lang="de-DE"/>
           </a:p>
@@ -2346,7 +2351,7 @@
           <a:p>
             <a:fld id="{51F78857-3C6F-44B1-A6E8-EF8888CAA869}" type="datetimeFigureOut">
               <a:rPr lang="de-DE" smtClean="0"/>
-              <a:t>28.04.2020</a:t>
+              <a:t>11.05.2020</a:t>
             </a:fld>
             <a:endParaRPr lang="de-DE"/>
           </a:p>
@@ -2559,7 +2564,7 @@
           <a:p>
             <a:fld id="{51F78857-3C6F-44B1-A6E8-EF8888CAA869}" type="datetimeFigureOut">
               <a:rPr lang="de-DE" smtClean="0"/>
-              <a:t>28.04.2020</a:t>
+              <a:t>11.05.2020</a:t>
             </a:fld>
             <a:endParaRPr lang="de-DE"/>
           </a:p>
@@ -3712,11 +3717,6 @@
               </a:rPr>
               <a:t> </a:t>
             </a:r>
-            <a:endParaRPr lang="de-DE" sz="1400" dirty="0" smtClean="0">
-              <a:solidFill>
-                <a:srgbClr val="0070C0"/>
-              </a:solidFill>
-            </a:endParaRPr>
           </a:p>
           <a:p>
             <a:pPr algn="ctr"/>
@@ -4015,6 +4015,222 @@
               <a:solidFill>
                 <a:srgbClr val="0070C0"/>
               </a:solidFill>
+            </a:endParaRPr>
+          </a:p>
+        </p:txBody>
+      </p:sp>
+      <p:cxnSp>
+        <p:nvCxnSpPr>
+          <p:cNvPr id="15" name="Gerader Verbinder 14"/>
+          <p:cNvCxnSpPr/>
+          <p:nvPr/>
+        </p:nvCxnSpPr>
+        <p:spPr>
+          <a:xfrm>
+            <a:off x="3609564" y="4147861"/>
+            <a:ext cx="0" cy="770459"/>
+          </a:xfrm>
+          <a:prstGeom prst="line">
+            <a:avLst/>
+          </a:prstGeom>
+          <a:ln w="19050">
+            <a:solidFill>
+              <a:srgbClr val="FF0000"/>
+            </a:solidFill>
+          </a:ln>
+        </p:spPr>
+        <p:style>
+          <a:lnRef idx="1">
+            <a:schemeClr val="accent1"/>
+          </a:lnRef>
+          <a:fillRef idx="0">
+            <a:schemeClr val="accent1"/>
+          </a:fillRef>
+          <a:effectRef idx="0">
+            <a:schemeClr val="accent1"/>
+          </a:effectRef>
+          <a:fontRef idx="minor">
+            <a:schemeClr val="tx1"/>
+          </a:fontRef>
+        </p:style>
+      </p:cxnSp>
+      <p:sp>
+        <p:nvSpPr>
+          <p:cNvPr id="21" name="Textfeld 20"/>
+          <p:cNvSpPr txBox="1"/>
+          <p:nvPr/>
+        </p:nvSpPr>
+        <p:spPr>
+          <a:xfrm>
+            <a:off x="3572521" y="4198866"/>
+            <a:ext cx="409086" cy="461665"/>
+          </a:xfrm>
+          <a:prstGeom prst="rect">
+            <a:avLst/>
+          </a:prstGeom>
+          <a:noFill/>
+        </p:spPr>
+        <p:txBody>
+          <a:bodyPr wrap="none" rtlCol="0">
+            <a:spAutoFit/>
+          </a:bodyPr>
+          <a:lstStyle/>
+          <a:p>
+            <a:r>
+              <a:rPr lang="de-DE" sz="800" dirty="0" smtClean="0">
+                <a:solidFill>
+                  <a:srgbClr val="FF0000"/>
+                </a:solidFill>
+                <a:latin typeface="Arial" panose="020B0604020202020204" pitchFamily="34" charset="0"/>
+                <a:cs typeface="Arial" panose="020B0604020202020204" pitchFamily="34" charset="0"/>
+              </a:rPr>
+              <a:t>last</a:t>
+            </a:r>
+          </a:p>
+          <a:p>
+            <a:r>
+              <a:rPr lang="de-DE" sz="800" dirty="0" err="1" smtClean="0">
+                <a:solidFill>
+                  <a:srgbClr val="FF0000"/>
+                </a:solidFill>
+                <a:latin typeface="Arial" panose="020B0604020202020204" pitchFamily="34" charset="0"/>
+                <a:cs typeface="Arial" panose="020B0604020202020204" pitchFamily="34" charset="0"/>
+              </a:rPr>
+              <a:t>data</a:t>
+            </a:r>
+            <a:endParaRPr lang="de-DE" sz="800" dirty="0" smtClean="0">
+              <a:solidFill>
+                <a:srgbClr val="FF0000"/>
+              </a:solidFill>
+              <a:latin typeface="Arial" panose="020B0604020202020204" pitchFamily="34" charset="0"/>
+              <a:cs typeface="Arial" panose="020B0604020202020204" pitchFamily="34" charset="0"/>
+            </a:endParaRPr>
+          </a:p>
+          <a:p>
+            <a:r>
+              <a:rPr lang="de-DE" sz="800" dirty="0" err="1" smtClean="0">
+                <a:solidFill>
+                  <a:srgbClr val="FF0000"/>
+                </a:solidFill>
+                <a:latin typeface="Arial" panose="020B0604020202020204" pitchFamily="34" charset="0"/>
+                <a:cs typeface="Arial" panose="020B0604020202020204" pitchFamily="34" charset="0"/>
+              </a:rPr>
+              <a:t>point</a:t>
+            </a:r>
+            <a:endParaRPr lang="de-DE" sz="800" dirty="0">
+              <a:solidFill>
+                <a:srgbClr val="FF0000"/>
+              </a:solidFill>
+              <a:latin typeface="Arial" panose="020B0604020202020204" pitchFamily="34" charset="0"/>
+              <a:cs typeface="Arial" panose="020B0604020202020204" pitchFamily="34" charset="0"/>
+            </a:endParaRPr>
+          </a:p>
+        </p:txBody>
+      </p:sp>
+      <p:cxnSp>
+        <p:nvCxnSpPr>
+          <p:cNvPr id="22" name="Gerader Verbinder 21"/>
+          <p:cNvCxnSpPr/>
+          <p:nvPr/>
+        </p:nvCxnSpPr>
+        <p:spPr>
+          <a:xfrm>
+            <a:off x="6077358" y="1586191"/>
+            <a:ext cx="0" cy="770459"/>
+          </a:xfrm>
+          <a:prstGeom prst="line">
+            <a:avLst/>
+          </a:prstGeom>
+          <a:ln w="19050">
+            <a:solidFill>
+              <a:srgbClr val="FF0000"/>
+            </a:solidFill>
+          </a:ln>
+        </p:spPr>
+        <p:style>
+          <a:lnRef idx="1">
+            <a:schemeClr val="accent1"/>
+          </a:lnRef>
+          <a:fillRef idx="0">
+            <a:schemeClr val="accent1"/>
+          </a:fillRef>
+          <a:effectRef idx="0">
+            <a:schemeClr val="accent1"/>
+          </a:effectRef>
+          <a:fontRef idx="minor">
+            <a:schemeClr val="tx1"/>
+          </a:fontRef>
+        </p:style>
+      </p:cxnSp>
+      <p:sp>
+        <p:nvSpPr>
+          <p:cNvPr id="23" name="Textfeld 22"/>
+          <p:cNvSpPr txBox="1"/>
+          <p:nvPr/>
+        </p:nvSpPr>
+        <p:spPr>
+          <a:xfrm>
+            <a:off x="6040315" y="1675299"/>
+            <a:ext cx="409086" cy="461665"/>
+          </a:xfrm>
+          <a:prstGeom prst="rect">
+            <a:avLst/>
+          </a:prstGeom>
+          <a:noFill/>
+        </p:spPr>
+        <p:txBody>
+          <a:bodyPr wrap="none" rtlCol="0">
+            <a:spAutoFit/>
+          </a:bodyPr>
+          <a:lstStyle/>
+          <a:p>
+            <a:r>
+              <a:rPr lang="de-DE" sz="800" dirty="0" smtClean="0">
+                <a:solidFill>
+                  <a:srgbClr val="FF0000"/>
+                </a:solidFill>
+                <a:latin typeface="Arial" panose="020B0604020202020204" pitchFamily="34" charset="0"/>
+                <a:cs typeface="Arial" panose="020B0604020202020204" pitchFamily="34" charset="0"/>
+              </a:rPr>
+              <a:t>last</a:t>
+            </a:r>
+          </a:p>
+          <a:p>
+            <a:r>
+              <a:rPr lang="de-DE" sz="800" dirty="0" err="1" smtClean="0">
+                <a:solidFill>
+                  <a:srgbClr val="FF0000"/>
+                </a:solidFill>
+                <a:latin typeface="Arial" panose="020B0604020202020204" pitchFamily="34" charset="0"/>
+                <a:cs typeface="Arial" panose="020B0604020202020204" pitchFamily="34" charset="0"/>
+              </a:rPr>
+              <a:t>data</a:t>
+            </a:r>
+            <a:endParaRPr lang="de-DE" sz="800" dirty="0" smtClean="0">
+              <a:solidFill>
+                <a:srgbClr val="FF0000"/>
+              </a:solidFill>
+              <a:latin typeface="Arial" panose="020B0604020202020204" pitchFamily="34" charset="0"/>
+              <a:cs typeface="Arial" panose="020B0604020202020204" pitchFamily="34" charset="0"/>
+            </a:endParaRPr>
+          </a:p>
+          <a:p>
+            <a:r>
+              <a:rPr lang="de-DE" sz="800" dirty="0" err="1" smtClean="0">
+                <a:solidFill>
+                  <a:srgbClr val="FF0000"/>
+                </a:solidFill>
+                <a:latin typeface="Arial" panose="020B0604020202020204" pitchFamily="34" charset="0"/>
+                <a:cs typeface="Arial" panose="020B0604020202020204" pitchFamily="34" charset="0"/>
+              </a:rPr>
+              <a:t>point</a:t>
+            </a:r>
+            <a:endParaRPr lang="de-DE" sz="800" dirty="0">
+              <a:solidFill>
+                <a:srgbClr val="FF0000"/>
+              </a:solidFill>
+              <a:latin typeface="Arial" panose="020B0604020202020204" pitchFamily="34" charset="0"/>
+              <a:cs typeface="Arial" panose="020B0604020202020204" pitchFamily="34" charset="0"/>
             </a:endParaRPr>
           </a:p>
         </p:txBody>

--- a/arFramework3/Examples/ToyModels/SplineExample_InputModulation/Figure.pptx
+++ b/arFramework3/Examples/ToyModels/SplineExample_InputModulation/Figure.pptx
@@ -3060,8 +3060,8 @@
         </p:nvSpPr>
         <p:spPr>
           <a:xfrm>
-            <a:off x="5589497" y="430307"/>
-            <a:ext cx="1708545" cy="523220"/>
+            <a:off x="5554391" y="430307"/>
+            <a:ext cx="1778757" cy="523220"/>
           </a:xfrm>
           <a:prstGeom prst="rect">
             <a:avLst/>
@@ -3163,12 +3163,12 @@
               <a:t> </a:t>
             </a:r>
             <a:r>
-              <a:rPr lang="de-DE" sz="1400" dirty="0" err="1" smtClean="0">
-                <a:solidFill>
-                  <a:srgbClr val="0070C0"/>
-                </a:solidFill>
-              </a:rPr>
-              <a:t>contant</a:t>
+              <a:rPr lang="de-DE" sz="1400" smtClean="0">
+                <a:solidFill>
+                  <a:srgbClr val="0070C0"/>
+                </a:solidFill>
+              </a:rPr>
+              <a:t>constant</a:t>
             </a:r>
             <a:r>
               <a:rPr lang="de-DE" sz="1400" dirty="0" smtClean="0">
